--- a/js/runtime/runtime.pptx
+++ b/js/runtime/runtime.pptx
@@ -3875,7 +3875,7 @@
           <a:p>
             <a:r>
               <a:rPr lang="zh-CN" altLang="en-US" dirty="0"/>
-              <a:t>理解运行、理解调度</a:t>
+              <a:t>理解运行、理解调度、异步非阻塞编程模式优先、单线程</a:t>
             </a:r>
           </a:p>
         </p:txBody>
@@ -3961,7 +3961,7 @@
         <p:spPr/>
         <p:txBody>
           <a:bodyPr>
-            <a:normAutofit/>
+            <a:normAutofit lnSpcReduction="10000"/>
           </a:bodyPr>
           <a:lstStyle/>
           <a:p>
@@ -4064,7 +4064,7 @@
             </a:pPr>
             <a:r>
               <a:rPr lang="zh-CN" altLang="en-US" dirty="0"/>
-              <a:t>程序定义的本质是为了改变“宇宙的状态”</a:t>
+              <a:t>定义程序的目的是为了执行程序改变“宇宙的状态”</a:t>
             </a:r>
             <a:endParaRPr lang="en-US" altLang="zh-CN" dirty="0"/>
           </a:p>
@@ -4073,9 +4073,20 @@
               <a:buFont typeface="Wingdings" panose="05000000000000000000" pitchFamily="2" charset="2"/>
               <a:buChar char="l"/>
             </a:pPr>
-            <a:r>
-              <a:rPr lang="zh-CN" altLang="en-US" dirty="0"/>
-              <a:t>程序</a:t>
+            <a:endParaRPr lang="en-US" altLang="zh-CN" dirty="0"/>
+          </a:p>
+          <a:p>
+            <a:pPr>
+              <a:buFont typeface="Wingdings" panose="05000000000000000000" pitchFamily="2" charset="2"/>
+              <a:buChar char="Ø"/>
+            </a:pPr>
+            <a:r>
+              <a:rPr lang="en-US" altLang="zh-CN" dirty="0"/>
+              <a:t>JS</a:t>
+            </a:r>
+            <a:r>
+              <a:rPr lang="zh-CN" altLang="en-US" dirty="0"/>
+              <a:t>的特点：程序</a:t>
             </a:r>
             <a:r>
               <a:rPr lang="en-US" altLang="zh-CN" dirty="0"/>
@@ -4217,7 +4228,9 @@
         </p:nvSpPr>
         <p:spPr/>
         <p:txBody>
-          <a:bodyPr/>
+          <a:bodyPr>
+            <a:normAutofit fontScale="92500" lnSpcReduction="20000"/>
+          </a:bodyPr>
           <a:lstStyle/>
           <a:p>
             <a:pPr marL="0" indent="0" algn="ctr">
@@ -4233,7 +4246,7 @@
             </a:r>
             <a:r>
               <a:rPr lang="zh-CN" altLang="en-US" dirty="0"/>
-              <a:t>闲交替还是</a:t>
+              <a:t>闲交替仍然是</a:t>
             </a:r>
             <a:r>
               <a:rPr lang="zh-CN" altLang="en-US" b="1" dirty="0"/>
@@ -4323,7 +4336,7 @@
             </a:r>
             <a:r>
               <a:rPr lang="zh-CN" altLang="en-US" dirty="0"/>
-              <a:t>解释器会检查任务是否被完成</a:t>
+              <a:t>解释器会检查任务是否被完成，用户空间无法感知闲时的存在</a:t>
             </a:r>
             <a:endParaRPr lang="en-US" altLang="zh-CN" dirty="0"/>
           </a:p>
@@ -4368,21 +4381,45 @@
               <a:rPr lang="zh-CN" altLang="en-US" i="1" dirty="0"/>
               <a:t>关于委托的互动：</a:t>
             </a:r>
+            <a:endParaRPr lang="en-US" altLang="zh-CN" i="1" dirty="0"/>
+          </a:p>
+          <a:p>
+            <a:pPr marL="292608" lvl="1" indent="0">
+              <a:buNone/>
+            </a:pPr>
             <a:r>
               <a:rPr lang="en-US" altLang="zh-CN" i="1" dirty="0"/>
               <a:t>1.</a:t>
             </a:r>
             <a:r>
               <a:rPr lang="zh-CN" altLang="en-US" i="1" dirty="0"/>
-              <a:t>互相打的例子，解释委托；</a:t>
-            </a:r>
+              <a:t>互相打的例子，</a:t>
+            </a:r>
+            <a:r>
+              <a:rPr lang="zh-CN" altLang="en-US" i="1"/>
+              <a:t>解释委托</a:t>
+            </a:r>
+            <a:endParaRPr lang="en-US" altLang="zh-CN" i="1" dirty="0"/>
+          </a:p>
+          <a:p>
+            <a:pPr marL="292608" lvl="1" indent="0">
+              <a:buNone/>
+            </a:pPr>
             <a:r>
               <a:rPr lang="en-US" altLang="zh-CN" i="1" dirty="0"/>
               <a:t>2.</a:t>
             </a:r>
             <a:r>
               <a:rPr lang="zh-CN" altLang="en-US" i="1" dirty="0"/>
-              <a:t>询问“闲时”是否继续，解释闲时</a:t>
+              <a:t>过</a:t>
+            </a:r>
+            <a:r>
+              <a:rPr lang="en-US" altLang="zh-CN" i="1" dirty="0"/>
+              <a:t>5</a:t>
+            </a:r>
+            <a:r>
+              <a:rPr lang="zh-CN" altLang="en-US" i="1" dirty="0"/>
+              <a:t>秒后干，解释闲时如何作用忙时</a:t>
             </a:r>
             <a:endParaRPr lang="en-US" altLang="zh-CN" i="1" dirty="0"/>
           </a:p>
@@ -4541,15 +4578,23 @@
             </a:pPr>
             <a:r>
               <a:rPr lang="zh-CN" altLang="en-US" dirty="0"/>
-              <a:t>“可执行结构”可以调用“解释”（</a:t>
+              <a:t>“可执行结构”可以调用“解释</a:t>
             </a:r>
             <a:r>
               <a:rPr lang="en-US" altLang="zh-CN" dirty="0"/>
-              <a:t>eval()</a:t>
-            </a:r>
-            <a:r>
-              <a:rPr lang="zh-CN" altLang="en-US" dirty="0"/>
-              <a:t>），进而继续吧“</a:t>
+              <a:t>+</a:t>
+            </a:r>
+            <a:r>
+              <a:rPr lang="zh-CN" altLang="en-US" dirty="0"/>
+              <a:t>执行（</a:t>
+            </a:r>
+            <a:r>
+              <a:rPr lang="en-US" altLang="zh-CN" dirty="0"/>
+              <a:t>eval</a:t>
+            </a:r>
+            <a:r>
+              <a:rPr lang="zh-CN" altLang="en-US" dirty="0"/>
+              <a:t>）” ，进而继续把“</a:t>
             </a:r>
             <a:r>
               <a:rPr lang="zh-CN" altLang="en-US" b="1" u="sng" dirty="0"/>
@@ -4574,7 +4619,7 @@
             </a:pPr>
             <a:r>
               <a:rPr lang="zh-CN" altLang="en-US" dirty="0"/>
-              <a:t>人看的懂 </a:t>
+              <a:t>人看的懂 （解释）</a:t>
             </a:r>
             <a:r>
               <a:rPr lang="en-US" altLang="zh-CN" dirty="0">
@@ -4586,7 +4631,7 @@
               <a:rPr lang="zh-CN" altLang="en-US" dirty="0">
                 <a:sym typeface="Wingdings" panose="05000000000000000000" pitchFamily="2" charset="2"/>
               </a:rPr>
-              <a:t>可执行结构</a:t>
+              <a:t>可执行结构（执行）</a:t>
             </a:r>
             <a:endParaRPr lang="en-US" altLang="zh-CN" dirty="0">
               <a:sym typeface="Wingdings" panose="05000000000000000000" pitchFamily="2" charset="2"/>
@@ -4596,24 +4641,6 @@
             <a:pPr marL="0" indent="0" algn="ctr">
               <a:buNone/>
             </a:pPr>
-            <a:r>
-              <a:rPr lang="zh-CN" altLang="en-US" dirty="0">
-                <a:sym typeface="Wingdings" panose="05000000000000000000" pitchFamily="2" charset="2"/>
-              </a:rPr>
-              <a:t>解释</a:t>
-            </a:r>
-            <a:r>
-              <a:rPr lang="en-US" altLang="zh-CN" dirty="0">
-                <a:sym typeface="Wingdings" panose="05000000000000000000" pitchFamily="2" charset="2"/>
-              </a:rPr>
-              <a:t></a:t>
-            </a:r>
-            <a:r>
-              <a:rPr lang="zh-CN" altLang="en-US" dirty="0">
-                <a:sym typeface="Wingdings" panose="05000000000000000000" pitchFamily="2" charset="2"/>
-              </a:rPr>
-              <a:t>执行</a:t>
-            </a:r>
             <a:endParaRPr lang="en-US" altLang="zh-CN" dirty="0">
               <a:sym typeface="Wingdings" panose="05000000000000000000" pitchFamily="2" charset="2"/>
             </a:endParaRPr>
@@ -4624,7 +4651,7 @@
             </a:pPr>
             <a:r>
               <a:rPr lang="zh-CN" altLang="en-US" i="1" dirty="0"/>
-              <a:t>合同里包含创建合同的现场演示</a:t>
+              <a:t>合约里包含创建合约的现场演示</a:t>
             </a:r>
             <a:endParaRPr lang="en-US" altLang="zh-CN" i="1" dirty="0"/>
           </a:p>
@@ -4718,7 +4745,9 @@
         </p:nvSpPr>
         <p:spPr/>
         <p:txBody>
-          <a:bodyPr/>
+          <a:bodyPr>
+            <a:normAutofit fontScale="92500" lnSpcReduction="20000"/>
+          </a:bodyPr>
           <a:lstStyle/>
           <a:p>
             <a:pPr marL="0" indent="0">
@@ -4726,7 +4755,15 @@
             </a:pPr>
             <a:r>
               <a:rPr lang="zh-CN" altLang="en-US" dirty="0"/>
-              <a:t>函数：是有序指令集合的表达，是一种计算过程</a:t>
+              <a:t>函数（</a:t>
+            </a:r>
+            <a:r>
+              <a:rPr lang="en-US" altLang="zh-CN" dirty="0"/>
+              <a:t>Function</a:t>
+            </a:r>
+            <a:r>
+              <a:rPr lang="zh-CN" altLang="en-US" dirty="0"/>
+              <a:t>）：是有序指令集合的表达，是一种计算过程，是一种数据类型。</a:t>
             </a:r>
             <a:endParaRPr lang="en-US" altLang="zh-CN" dirty="0"/>
           </a:p>
@@ -4735,6 +4772,65 @@
               <a:buFont typeface="Wingdings" panose="05000000000000000000" pitchFamily="2" charset="2"/>
               <a:buChar char="l"/>
             </a:pPr>
+            <a:r>
+              <a:rPr lang="zh-CN" altLang="en-US" dirty="0"/>
+              <a:t>函数定义</a:t>
+            </a:r>
+            <a:endParaRPr lang="en-US" altLang="zh-CN" dirty="0"/>
+          </a:p>
+          <a:p>
+            <a:pPr lvl="1">
+              <a:buFont typeface="Wingdings" panose="05000000000000000000" pitchFamily="2" charset="2"/>
+              <a:buChar char="l"/>
+            </a:pPr>
+            <a:r>
+              <a:rPr lang="en-US" altLang="zh-CN" dirty="0"/>
+              <a:t>eval</a:t>
+            </a:r>
+            <a:r>
+              <a:rPr lang="zh-CN" altLang="en-US" dirty="0"/>
+              <a:t>的前半部分</a:t>
+            </a:r>
+            <a:endParaRPr lang="en-US" altLang="zh-CN" dirty="0"/>
+          </a:p>
+          <a:p>
+            <a:pPr lvl="1">
+              <a:buFont typeface="Wingdings" panose="05000000000000000000" pitchFamily="2" charset="2"/>
+              <a:buChar char="l"/>
+            </a:pPr>
+            <a:r>
+              <a:rPr lang="zh-CN" altLang="en-US" dirty="0"/>
+              <a:t>定义一个计算过程</a:t>
+            </a:r>
+            <a:endParaRPr lang="en-US" altLang="zh-CN" dirty="0"/>
+          </a:p>
+          <a:p>
+            <a:pPr lvl="1">
+              <a:buFont typeface="Wingdings" panose="05000000000000000000" pitchFamily="2" charset="2"/>
+              <a:buChar char="l"/>
+            </a:pPr>
+            <a:r>
+              <a:rPr lang="zh-CN" altLang="en-US" dirty="0"/>
+              <a:t>不会被执行</a:t>
+            </a:r>
+            <a:endParaRPr lang="en-US" altLang="zh-CN" dirty="0"/>
+          </a:p>
+          <a:p>
+            <a:pPr lvl="1">
+              <a:buFont typeface="Wingdings" panose="05000000000000000000" pitchFamily="2" charset="2"/>
+              <a:buChar char="Ø"/>
+            </a:pPr>
+            <a:r>
+              <a:rPr lang="zh-CN" altLang="en-US" dirty="0"/>
+              <a:t>函数定义如同一份“合约”</a:t>
+            </a:r>
+            <a:endParaRPr lang="en-US" altLang="zh-CN" dirty="0"/>
+          </a:p>
+          <a:p>
+            <a:pPr lvl="1">
+              <a:buFont typeface="Wingdings" panose="05000000000000000000" pitchFamily="2" charset="2"/>
+              <a:buChar char="l"/>
+            </a:pPr>
             <a:endParaRPr lang="en-US" altLang="zh-CN" dirty="0"/>
           </a:p>
           <a:p>
@@ -4744,7 +4840,7 @@
             </a:pPr>
             <a:r>
               <a:rPr lang="zh-CN" altLang="en-US" dirty="0"/>
-              <a:t>函数定义</a:t>
+              <a:t>函数调用</a:t>
             </a:r>
             <a:endParaRPr lang="en-US" altLang="zh-CN" dirty="0"/>
           </a:p>
@@ -4755,7 +4851,7 @@
             </a:pPr>
             <a:r>
               <a:rPr lang="zh-CN" altLang="en-US" dirty="0"/>
-              <a:t>定义一个计算过程</a:t>
+              <a:t>执行一个计算过程</a:t>
             </a:r>
             <a:endParaRPr lang="en-US" altLang="zh-CN" dirty="0"/>
           </a:p>
@@ -4765,8 +4861,27 @@
               <a:buChar char="l"/>
             </a:pPr>
             <a:r>
-              <a:rPr lang="zh-CN" altLang="en-US" dirty="0"/>
-              <a:t>不会被执行</a:t>
+              <a:rPr lang="en-US" altLang="zh-CN" dirty="0"/>
+              <a:t>JS</a:t>
+            </a:r>
+            <a:r>
+              <a:rPr lang="zh-CN" altLang="en-US" dirty="0"/>
+              <a:t>的函数：可以继续创建</a:t>
+            </a:r>
+            <a:r>
+              <a:rPr lang="zh-CN" altLang="en-US" b="1" u="sng" dirty="0"/>
+              <a:t>函数定义</a:t>
+            </a:r>
+            <a:endParaRPr lang="en-US" altLang="zh-CN" b="1" u="sng" dirty="0"/>
+          </a:p>
+          <a:p>
+            <a:pPr lvl="1">
+              <a:buFont typeface="Wingdings" panose="05000000000000000000" pitchFamily="2" charset="2"/>
+              <a:buChar char="Ø"/>
+            </a:pPr>
+            <a:r>
+              <a:rPr lang="zh-CN" altLang="en-US" dirty="0"/>
+              <a:t>函数调用如同履行“合约”</a:t>
             </a:r>
             <a:endParaRPr lang="en-US" altLang="zh-CN" dirty="0"/>
           </a:p>
@@ -4778,37 +4893,25 @@
             <a:endParaRPr lang="en-US" altLang="zh-CN" dirty="0"/>
           </a:p>
           <a:p>
-            <a:pPr>
-              <a:buFont typeface="Wingdings" panose="05000000000000000000" pitchFamily="2" charset="2"/>
-              <a:buChar char="l"/>
-            </a:pPr>
-            <a:r>
-              <a:rPr lang="zh-CN" altLang="en-US" dirty="0"/>
-              <a:t>函数调用</a:t>
-            </a:r>
-            <a:endParaRPr lang="en-US" altLang="zh-CN" dirty="0"/>
-          </a:p>
-          <a:p>
-            <a:pPr lvl="1">
-              <a:buFont typeface="Wingdings" panose="05000000000000000000" pitchFamily="2" charset="2"/>
-              <a:buChar char="l"/>
-            </a:pPr>
-            <a:r>
-              <a:rPr lang="zh-CN" altLang="en-US" dirty="0"/>
-              <a:t>执行一个计算过程</a:t>
-            </a:r>
-            <a:endParaRPr lang="en-US" altLang="zh-CN" dirty="0"/>
-          </a:p>
-          <a:p>
-            <a:pPr lvl="1">
-              <a:buFont typeface="Wingdings" panose="05000000000000000000" pitchFamily="2" charset="2"/>
-              <a:buChar char="l"/>
-            </a:pPr>
-            <a:r>
-              <a:rPr lang="zh-CN" altLang="en-US" dirty="0"/>
-              <a:t>可以继续创建“函数定义”</a:t>
-            </a:r>
-            <a:endParaRPr lang="en-US" altLang="zh-CN" dirty="0"/>
+            <a:pPr marL="0" indent="0" algn="ctr">
+              <a:buNone/>
+            </a:pPr>
+            <a:r>
+              <a:rPr lang="zh-CN" altLang="en-US" dirty="0"/>
+              <a:t>着重理解：合约</a:t>
+            </a:r>
+            <a:r>
+              <a:rPr lang="en-US" altLang="zh-CN" dirty="0"/>
+              <a:t>A</a:t>
+            </a:r>
+            <a:r>
+              <a:rPr lang="zh-CN" altLang="en-US" dirty="0"/>
+              <a:t>的内容就是让你编撰新合约</a:t>
+            </a:r>
+            <a:r>
+              <a:rPr lang="en-US" altLang="zh-CN" dirty="0"/>
+              <a:t>B</a:t>
+            </a:r>
           </a:p>
         </p:txBody>
       </p:sp>
@@ -4932,7 +5035,7 @@
             </a:r>
             <a:r>
               <a:rPr lang="en-US" altLang="zh-CN" dirty="0"/>
-              <a:t>lexical scope</a:t>
+              <a:t>Lexical scope</a:t>
             </a:r>
             <a:r>
               <a:rPr lang="zh-CN" altLang="en-US" dirty="0"/>
@@ -5050,9 +5153,8 @@
             <a:endParaRPr lang="en-US" altLang="zh-CN" dirty="0"/>
           </a:p>
           <a:p>
-            <a:pPr>
-              <a:buFont typeface="Wingdings" panose="05000000000000000000" pitchFamily="2" charset="2"/>
-              <a:buChar char="l"/>
+            <a:pPr marL="0" indent="0" algn="ctr">
+              <a:buNone/>
             </a:pPr>
             <a:r>
               <a:rPr lang="en-US" altLang="zh-CN" dirty="0"/>
@@ -5062,6 +5164,12 @@
               <a:rPr lang="zh-CN" altLang="en-US" dirty="0"/>
               <a:t>可以在一个函数调用时产生函数定义</a:t>
             </a:r>
+            <a:endParaRPr lang="en-US" altLang="zh-CN" dirty="0"/>
+          </a:p>
+          <a:p>
+            <a:pPr marL="0" indent="0">
+              <a:buNone/>
+            </a:pPr>
             <a:endParaRPr lang="en-US" altLang="zh-CN" dirty="0"/>
           </a:p>
           <a:p>
